--- a/CSharpProgramming/Presentations/FurtherParam/FuncAsParam.pptx
+++ b/CSharpProgramming/Presentations/FurtherParam/FuncAsParam.pptx
@@ -280,7 +280,7 @@
           <a:p>
             <a:fld id="{E15B7D8E-2A20-4C0E-991C-872DBB7459A8}" type="datetimeFigureOut">
               <a:rPr lang="da-DK" smtClean="0"/>
-              <a:t>04-02-2018</a:t>
+              <a:t>14-02-2018</a:t>
             </a:fld>
             <a:endParaRPr lang="da-DK"/>
           </a:p>
@@ -450,7 +450,7 @@
           <a:p>
             <a:fld id="{E15B7D8E-2A20-4C0E-991C-872DBB7459A8}" type="datetimeFigureOut">
               <a:rPr lang="da-DK" smtClean="0"/>
-              <a:t>04-02-2018</a:t>
+              <a:t>14-02-2018</a:t>
             </a:fld>
             <a:endParaRPr lang="da-DK"/>
           </a:p>
@@ -630,7 +630,7 @@
           <a:p>
             <a:fld id="{E15B7D8E-2A20-4C0E-991C-872DBB7459A8}" type="datetimeFigureOut">
               <a:rPr lang="da-DK" smtClean="0"/>
-              <a:t>04-02-2018</a:t>
+              <a:t>14-02-2018</a:t>
             </a:fld>
             <a:endParaRPr lang="da-DK"/>
           </a:p>
@@ -800,7 +800,7 @@
           <a:p>
             <a:fld id="{E15B7D8E-2A20-4C0E-991C-872DBB7459A8}" type="datetimeFigureOut">
               <a:rPr lang="da-DK" smtClean="0"/>
-              <a:t>04-02-2018</a:t>
+              <a:t>14-02-2018</a:t>
             </a:fld>
             <a:endParaRPr lang="da-DK"/>
           </a:p>
@@ -1046,7 +1046,7 @@
           <a:p>
             <a:fld id="{E15B7D8E-2A20-4C0E-991C-872DBB7459A8}" type="datetimeFigureOut">
               <a:rPr lang="da-DK" smtClean="0"/>
-              <a:t>04-02-2018</a:t>
+              <a:t>14-02-2018</a:t>
             </a:fld>
             <a:endParaRPr lang="da-DK"/>
           </a:p>
@@ -1278,7 +1278,7 @@
           <a:p>
             <a:fld id="{E15B7D8E-2A20-4C0E-991C-872DBB7459A8}" type="datetimeFigureOut">
               <a:rPr lang="da-DK" smtClean="0"/>
-              <a:t>04-02-2018</a:t>
+              <a:t>14-02-2018</a:t>
             </a:fld>
             <a:endParaRPr lang="da-DK"/>
           </a:p>
@@ -1645,7 +1645,7 @@
           <a:p>
             <a:fld id="{E15B7D8E-2A20-4C0E-991C-872DBB7459A8}" type="datetimeFigureOut">
               <a:rPr lang="da-DK" smtClean="0"/>
-              <a:t>04-02-2018</a:t>
+              <a:t>14-02-2018</a:t>
             </a:fld>
             <a:endParaRPr lang="da-DK"/>
           </a:p>
@@ -1763,7 +1763,7 @@
           <a:p>
             <a:fld id="{E15B7D8E-2A20-4C0E-991C-872DBB7459A8}" type="datetimeFigureOut">
               <a:rPr lang="da-DK" smtClean="0"/>
-              <a:t>04-02-2018</a:t>
+              <a:t>14-02-2018</a:t>
             </a:fld>
             <a:endParaRPr lang="da-DK"/>
           </a:p>
@@ -1858,7 +1858,7 @@
           <a:p>
             <a:fld id="{E15B7D8E-2A20-4C0E-991C-872DBB7459A8}" type="datetimeFigureOut">
               <a:rPr lang="da-DK" smtClean="0"/>
-              <a:t>04-02-2018</a:t>
+              <a:t>14-02-2018</a:t>
             </a:fld>
             <a:endParaRPr lang="da-DK"/>
           </a:p>
@@ -2135,7 +2135,7 @@
           <a:p>
             <a:fld id="{E15B7D8E-2A20-4C0E-991C-872DBB7459A8}" type="datetimeFigureOut">
               <a:rPr lang="da-DK" smtClean="0"/>
-              <a:t>04-02-2018</a:t>
+              <a:t>14-02-2018</a:t>
             </a:fld>
             <a:endParaRPr lang="da-DK"/>
           </a:p>
@@ -2388,7 +2388,7 @@
           <a:p>
             <a:fld id="{E15B7D8E-2A20-4C0E-991C-872DBB7459A8}" type="datetimeFigureOut">
               <a:rPr lang="da-DK" smtClean="0"/>
-              <a:t>04-02-2018</a:t>
+              <a:t>14-02-2018</a:t>
             </a:fld>
             <a:endParaRPr lang="da-DK"/>
           </a:p>
@@ -2601,7 +2601,7 @@
           <a:p>
             <a:fld id="{E15B7D8E-2A20-4C0E-991C-872DBB7459A8}" type="datetimeFigureOut">
               <a:rPr lang="da-DK" smtClean="0"/>
-              <a:t>04-02-2018</a:t>
+              <a:t>14-02-2018</a:t>
             </a:fld>
             <a:endParaRPr lang="da-DK"/>
           </a:p>
@@ -3037,11 +3037,7 @@
             </a:br>
             <a:r>
               <a:rPr lang="da-DK" sz="9600" smtClean="0"/>
-              <a:t>Parameters</a:t>
-            </a:r>
-            <a:r>
-              <a:rPr lang="da-DK" sz="9600" smtClean="0"/>
-              <a:t> </a:t>
+              <a:t>Parameters </a:t>
             </a:r>
             <a:endParaRPr lang="da-DK" sz="9600"/>
           </a:p>
@@ -3349,11 +3345,11 @@
   <p:clrMapOvr>
     <a:masterClrMapping/>
   </p:clrMapOvr>
-  <mc:AlternateContent xmlns:mc="http://schemas.openxmlformats.org/markup-compatibility/2006">
-    <mc:Choice xmlns:p14="http://schemas.microsoft.com/office/powerpoint/2010/main" Requires="p14">
+  <mc:AlternateContent xmlns:mc="http://schemas.openxmlformats.org/markup-compatibility/2006" xmlns:p14="http://schemas.microsoft.com/office/powerpoint/2010/main">
+    <mc:Choice Requires="p14">
       <p:transition p14:dur="0"/>
     </mc:Choice>
-    <mc:Fallback>
+    <mc:Fallback xmlns="">
       <p:transition/>
     </mc:Fallback>
   </mc:AlternateContent>
@@ -3981,11 +3977,7 @@
           <a:p>
             <a:r>
               <a:rPr lang="da-DK"/>
-              <a:t>Type for any method </a:t>
-            </a:r>
-            <a:r>
-              <a:rPr lang="da-DK"/>
-              <a:t>taking </a:t>
+              <a:t>Type for any method taking </a:t>
             </a:r>
             <a:r>
               <a:rPr lang="da-DK" u="sng"/>
@@ -4383,7 +4375,7 @@
                   <a:schemeClr val="tx1"/>
                 </a:solidFill>
               </a:rPr>
-              <a:t>Predicate&lt;bool&gt;</a:t>
+              <a:t>Predicate&lt;int&gt;</a:t>
             </a:r>
             <a:endParaRPr lang="da-DK" sz="3200">
               <a:solidFill>
@@ -4403,11 +4395,11 @@
   <p:clrMapOvr>
     <a:masterClrMapping/>
   </p:clrMapOvr>
-  <mc:AlternateContent xmlns:mc="http://schemas.openxmlformats.org/markup-compatibility/2006">
-    <mc:Choice xmlns:p14="http://schemas.microsoft.com/office/powerpoint/2010/main" Requires="p14">
+  <mc:AlternateContent xmlns:mc="http://schemas.openxmlformats.org/markup-compatibility/2006" xmlns:p14="http://schemas.microsoft.com/office/powerpoint/2010/main">
+    <mc:Choice Requires="p14">
       <p:transition p14:dur="0"/>
     </mc:Choice>
-    <mc:Fallback>
+    <mc:Fallback xmlns="">
       <p:transition/>
     </mc:Fallback>
   </mc:AlternateContent>
@@ -4738,7 +4730,13 @@
               <a:rPr lang="da-DK" sz="1800" b="1" smtClean="0">
                 <a:latin typeface="Consolas" panose="020B0609020204030204" pitchFamily="49" charset="0"/>
               </a:rPr>
-              <a:t>&gt; cond)</a:t>
+              <a:t>&gt; </a:t>
+            </a:r>
+            <a:r>
+              <a:rPr lang="da-DK" sz="1800" b="1" smtClean="0">
+                <a:latin typeface="Consolas" panose="020B0609020204030204" pitchFamily="49" charset="0"/>
+              </a:rPr>
+              <a:t>conditionFunc)</a:t>
             </a:r>
             <a:endParaRPr lang="da-DK" sz="1800" b="1">
               <a:latin typeface="Consolas" panose="020B0609020204030204" pitchFamily="49" charset="0"/>
@@ -4900,22 +4898,22 @@
               <a:t> </a:t>
             </a:r>
             <a:r>
-              <a:rPr lang="en-US" sz="1800" b="1">
+              <a:rPr lang="en-US" sz="1800" b="1" smtClean="0">
                 <a:latin typeface="Consolas" panose="020B0609020204030204" pitchFamily="49" charset="0"/>
               </a:rPr>
               <a:t>(</a:t>
             </a:r>
             <a:r>
-              <a:rPr lang="en-US" sz="1800" b="1">
+              <a:rPr lang="en-US" sz="1800" b="1" smtClean="0">
                 <a:solidFill>
                   <a:srgbClr val="0070C0"/>
                 </a:solidFill>
                 <a:latin typeface="Consolas" panose="020B0609020204030204" pitchFamily="49" charset="0"/>
               </a:rPr>
-              <a:t>var</a:t>
-            </a:r>
-            <a:r>
-              <a:rPr lang="en-US" sz="1800" b="1">
+              <a:t>int</a:t>
+            </a:r>
+            <a:r>
+              <a:rPr lang="en-US" sz="1800" b="1" smtClean="0">
                 <a:latin typeface="Consolas" panose="020B0609020204030204" pitchFamily="49" charset="0"/>
               </a:rPr>
               <a:t> </a:t>
@@ -4985,7 +4983,22 @@
               <a:rPr lang="da-DK" sz="1800" b="1" smtClean="0">
                 <a:latin typeface="Consolas" panose="020B0609020204030204" pitchFamily="49" charset="0"/>
               </a:rPr>
-              <a:t> (</a:t>
+              <a:t> </a:t>
+            </a:r>
+            <a:r>
+              <a:rPr lang="da-DK" sz="1800" b="1">
+                <a:latin typeface="Consolas" panose="020B0609020204030204" pitchFamily="49" charset="0"/>
+              </a:rPr>
+              <a:t>(</a:t>
+            </a:r>
+            <a:r>
+              <a:rPr lang="da-DK" sz="1800" b="1">
+                <a:solidFill>
+                  <a:srgbClr val="FF0000"/>
+                </a:solidFill>
+                <a:latin typeface="Consolas" panose="020B0609020204030204" pitchFamily="49" charset="0"/>
+              </a:rPr>
+              <a:t>conditionFunc</a:t>
             </a:r>
             <a:r>
               <a:rPr lang="da-DK" sz="1800" b="1" smtClean="0">
@@ -4994,7 +5007,16 @@
                 </a:solidFill>
                 <a:latin typeface="Consolas" panose="020B0609020204030204" pitchFamily="49" charset="0"/>
               </a:rPr>
-              <a:t>cond(v)</a:t>
+              <a:t>(v</a:t>
+            </a:r>
+            <a:r>
+              <a:rPr lang="da-DK" sz="1800" b="1" smtClean="0">
+                <a:solidFill>
+                  <a:srgbClr val="FF0000"/>
+                </a:solidFill>
+                <a:latin typeface="Consolas" panose="020B0609020204030204" pitchFamily="49" charset="0"/>
+              </a:rPr>
+              <a:t>)</a:t>
             </a:r>
             <a:r>
               <a:rPr lang="da-DK" sz="1800" b="1" smtClean="0">
@@ -5188,23 +5210,7 @@
                   <a:schemeClr val="tx1"/>
                 </a:solidFill>
               </a:rPr>
-              <a:t>C</a:t>
-            </a:r>
-            <a:r>
-              <a:rPr lang="da-DK" sz="2400" smtClean="0">
-                <a:solidFill>
-                  <a:schemeClr val="tx1"/>
-                </a:solidFill>
-              </a:rPr>
-              <a:t>riterion </a:t>
-            </a:r>
-            <a:r>
-              <a:rPr lang="da-DK" sz="2400" smtClean="0">
-                <a:solidFill>
-                  <a:schemeClr val="tx1"/>
-                </a:solidFill>
-              </a:rPr>
-              <a:t>supplied by </a:t>
+              <a:t>Criterion supplied by </a:t>
             </a:r>
             <a:r>
               <a:rPr lang="da-DK" sz="2400" u="sng" smtClean="0">
@@ -5232,11 +5238,11 @@
   <p:clrMapOvr>
     <a:masterClrMapping/>
   </p:clrMapOvr>
-  <mc:AlternateContent xmlns:mc="http://schemas.openxmlformats.org/markup-compatibility/2006">
-    <mc:Choice xmlns:p14="http://schemas.microsoft.com/office/powerpoint/2010/main" Requires="p14">
+  <mc:AlternateContent xmlns:mc="http://schemas.openxmlformats.org/markup-compatibility/2006" xmlns:p14="http://schemas.microsoft.com/office/powerpoint/2010/main">
+    <mc:Choice Requires="p14">
       <p:transition p14:dur="0"/>
     </mc:Choice>
-    <mc:Fallback>
+    <mc:Fallback xmlns="">
       <p:transition/>
     </mc:Fallback>
   </mc:AlternateContent>
@@ -5522,11 +5528,11 @@
   <p:clrMapOvr>
     <a:masterClrMapping/>
   </p:clrMapOvr>
-  <mc:AlternateContent xmlns:mc="http://schemas.openxmlformats.org/markup-compatibility/2006">
-    <mc:Choice xmlns:p14="http://schemas.microsoft.com/office/powerpoint/2010/main" Requires="p14">
+  <mc:AlternateContent xmlns:mc="http://schemas.openxmlformats.org/markup-compatibility/2006" xmlns:p14="http://schemas.microsoft.com/office/powerpoint/2010/main">
+    <mc:Choice Requires="p14">
       <p:transition p14:dur="0"/>
     </mc:Choice>
-    <mc:Fallback>
+    <mc:Fallback xmlns="">
       <p:transition/>
     </mc:Fallback>
   </mc:AlternateContent>
@@ -5724,10 +5730,16 @@
               <a:rPr lang="da-DK" b="1" smtClean="0">
                 <a:latin typeface="Consolas" panose="020B0609020204030204" pitchFamily="49" charset="0"/>
               </a:rPr>
-              <a:t> MyCond(</a:t>
-            </a:r>
-            <a:r>
-              <a:rPr lang="da-DK" b="1">
+              <a:t> </a:t>
+            </a:r>
+            <a:r>
+              <a:rPr lang="da-DK" b="1" smtClean="0">
+                <a:latin typeface="Consolas" panose="020B0609020204030204" pitchFamily="49" charset="0"/>
+              </a:rPr>
+              <a:t>MyCondFunc(</a:t>
+            </a:r>
+            <a:r>
+              <a:rPr lang="da-DK" b="1" smtClean="0">
                 <a:solidFill>
                   <a:srgbClr val="0070C0"/>
                 </a:solidFill>
@@ -5739,7 +5751,13 @@
               <a:rPr lang="da-DK" b="1" smtClean="0">
                 <a:latin typeface="Consolas" panose="020B0609020204030204" pitchFamily="49" charset="0"/>
               </a:rPr>
-              <a:t> v) </a:t>
+              <a:t> </a:t>
+            </a:r>
+            <a:r>
+              <a:rPr lang="da-DK" b="1" smtClean="0">
+                <a:latin typeface="Consolas" panose="020B0609020204030204" pitchFamily="49" charset="0"/>
+              </a:rPr>
+              <a:t>v) </a:t>
             </a:r>
             <a:r>
               <a:rPr lang="da-DK" b="1">
@@ -5844,13 +5862,13 @@
               <a:t>filter.FilterValues(values, </a:t>
             </a:r>
             <a:r>
-              <a:rPr lang="da-DK" b="1">
+              <a:rPr lang="da-DK" b="1" smtClean="0">
                 <a:solidFill>
                   <a:srgbClr val="FF0000"/>
                 </a:solidFill>
                 <a:latin typeface="Consolas" panose="020B0609020204030204" pitchFamily="49" charset="0"/>
               </a:rPr>
-              <a:t>MyCond</a:t>
+              <a:t>MyCondFunc</a:t>
             </a:r>
             <a:r>
               <a:rPr lang="da-DK" b="1" smtClean="0">
@@ -6164,16 +6182,7 @@
                 </a:solidFill>
                 <a:latin typeface="Consolas" panose="020B0609020204030204" pitchFamily="49" charset="0"/>
               </a:rPr>
-              <a:t>v &lt; </a:t>
-            </a:r>
-            <a:r>
-              <a:rPr lang="da-DK" sz="2400" b="1">
-                <a:solidFill>
-                  <a:srgbClr val="FF0000"/>
-                </a:solidFill>
-                <a:latin typeface="Consolas" panose="020B0609020204030204" pitchFamily="49" charset="0"/>
-              </a:rPr>
-              <a:t>20</a:t>
+              <a:t>v &lt; 20</a:t>
             </a:r>
             <a:r>
               <a:rPr lang="da-DK" sz="2400" b="1" smtClean="0">
@@ -6821,16 +6830,7 @@
                 </a:solidFill>
                 <a:latin typeface="Consolas" panose="020B0609020204030204" pitchFamily="49" charset="0"/>
               </a:rPr>
-              <a:t>v =&gt; v </a:t>
-            </a:r>
-            <a:r>
-              <a:rPr lang="da-DK" sz="2400" b="1">
-                <a:solidFill>
-                  <a:srgbClr val="FF0000"/>
-                </a:solidFill>
-                <a:latin typeface="Consolas" panose="020B0609020204030204" pitchFamily="49" charset="0"/>
-              </a:rPr>
-              <a:t>&lt; </a:t>
+              <a:t>v =&gt; v &lt; </a:t>
             </a:r>
             <a:r>
               <a:rPr lang="da-DK" sz="2400" b="1" smtClean="0">
@@ -7228,22 +7228,22 @@
               <a:t> </a:t>
             </a:r>
             <a:r>
-              <a:rPr lang="en-US" sz="2400" b="1">
+              <a:rPr lang="en-US" sz="2400" b="1" smtClean="0">
                 <a:latin typeface="Consolas" panose="020B0609020204030204" pitchFamily="49" charset="0"/>
               </a:rPr>
               <a:t>(</a:t>
             </a:r>
             <a:r>
-              <a:rPr lang="en-US" sz="2400" b="1">
+              <a:rPr lang="en-US" sz="2400" b="1" smtClean="0">
                 <a:solidFill>
                   <a:srgbClr val="0070C0"/>
                 </a:solidFill>
                 <a:latin typeface="Consolas" panose="020B0609020204030204" pitchFamily="49" charset="0"/>
               </a:rPr>
-              <a:t>var</a:t>
-            </a:r>
-            <a:r>
-              <a:rPr lang="en-US" sz="2400" b="1">
+              <a:t>int</a:t>
+            </a:r>
+            <a:r>
+              <a:rPr lang="en-US" sz="2400" b="1" smtClean="0">
                 <a:latin typeface="Consolas" panose="020B0609020204030204" pitchFamily="49" charset="0"/>
               </a:rPr>
               <a:t> </a:t>
@@ -7462,11 +7462,11 @@
   <p:clrMapOvr>
     <a:masterClrMapping/>
   </p:clrMapOvr>
-  <mc:AlternateContent xmlns:mc="http://schemas.openxmlformats.org/markup-compatibility/2006">
-    <mc:Choice xmlns:p14="http://schemas.microsoft.com/office/powerpoint/2010/main" Requires="p14">
+  <mc:AlternateContent xmlns:mc="http://schemas.openxmlformats.org/markup-compatibility/2006" xmlns:p14="http://schemas.microsoft.com/office/powerpoint/2010/main">
+    <mc:Choice Requires="p14">
       <p:transition p14:dur="0"/>
     </mc:Choice>
-    <mc:Fallback>
+    <mc:Fallback xmlns="">
       <p:transition/>
     </mc:Fallback>
   </mc:AlternateContent>
@@ -7768,16 +7768,7 @@
                 </a:solidFill>
                 <a:latin typeface="Consolas" panose="020B0609020204030204" pitchFamily="49" charset="0"/>
               </a:rPr>
-              <a:t>v =&gt; v </a:t>
-            </a:r>
-            <a:r>
-              <a:rPr lang="da-DK" sz="2400" b="1">
-                <a:solidFill>
-                  <a:srgbClr val="FF0000"/>
-                </a:solidFill>
-                <a:latin typeface="Consolas" panose="020B0609020204030204" pitchFamily="49" charset="0"/>
-              </a:rPr>
-              <a:t>&lt; </a:t>
+              <a:t>v =&gt; v &lt; </a:t>
             </a:r>
             <a:r>
               <a:rPr lang="da-DK" sz="2400" b="1" smtClean="0">
@@ -7860,45 +7851,30 @@
                 </a:solidFill>
                 <a:latin typeface="Consolas" panose="020B0609020204030204" pitchFamily="49" charset="0"/>
               </a:rPr>
-              <a:t>v =&gt; </a:t>
-            </a:r>
+              <a:t>v =&gt; v </a:t>
+            </a:r>
+            <a:r>
+              <a:rPr lang="da-DK" sz="2400" b="1" smtClean="0">
+                <a:solidFill>
+                  <a:srgbClr val="FF0000"/>
+                </a:solidFill>
+                <a:latin typeface="Consolas" panose="020B0609020204030204" pitchFamily="49" charset="0"/>
+              </a:rPr>
+              <a:t>% 2 == 0;</a:t>
+            </a:r>
+          </a:p>
+          <a:p>
+            <a:pPr marL="0" indent="0">
+              <a:spcBef>
+                <a:spcPts val="0"/>
+              </a:spcBef>
+              <a:buNone/>
+            </a:pPr>
             <a:r>
               <a:rPr lang="da-DK" sz="2400" b="1">
-                <a:solidFill>
-                  <a:srgbClr val="FF0000"/>
-                </a:solidFill>
-                <a:latin typeface="Consolas" panose="020B0609020204030204" pitchFamily="49" charset="0"/>
-              </a:rPr>
-              <a:t>v </a:t>
-            </a:r>
-            <a:r>
-              <a:rPr lang="da-DK" sz="2400" b="1" smtClean="0">
-                <a:solidFill>
-                  <a:srgbClr val="FF0000"/>
-                </a:solidFill>
-                <a:latin typeface="Consolas" panose="020B0609020204030204" pitchFamily="49" charset="0"/>
-              </a:rPr>
-              <a:t>% 2 == 0;</a:t>
-            </a:r>
-          </a:p>
-          <a:p>
-            <a:pPr marL="0" indent="0">
-              <a:spcBef>
-                <a:spcPts val="0"/>
-              </a:spcBef>
-              <a:buNone/>
-            </a:pPr>
-            <a:r>
-              <a:rPr lang="da-DK" sz="2400" b="1">
-                <a:latin typeface="Consolas" panose="020B0609020204030204" pitchFamily="49" charset="0"/>
-              </a:rPr>
-              <a:t>filter.FilterValues(values, </a:t>
-            </a:r>
-            <a:r>
-              <a:rPr lang="da-DK" sz="2400" b="1">
-                <a:latin typeface="Consolas" panose="020B0609020204030204" pitchFamily="49" charset="0"/>
-              </a:rPr>
-              <a:t>condFunc</a:t>
+                <a:latin typeface="Consolas" panose="020B0609020204030204" pitchFamily="49" charset="0"/>
+              </a:rPr>
+              <a:t>filter.FilterValues(values, condFunc</a:t>
             </a:r>
             <a:r>
               <a:rPr lang="da-DK" sz="2400" b="1" smtClean="0">
@@ -8121,11 +8097,11 @@
   <p:clrMapOvr>
     <a:masterClrMapping/>
   </p:clrMapOvr>
-  <mc:AlternateContent xmlns:mc="http://schemas.openxmlformats.org/markup-compatibility/2006">
-    <mc:Choice xmlns:p14="http://schemas.microsoft.com/office/powerpoint/2010/main" Requires="p14">
+  <mc:AlternateContent xmlns:mc="http://schemas.openxmlformats.org/markup-compatibility/2006" xmlns:p14="http://schemas.microsoft.com/office/powerpoint/2010/main">
+    <mc:Choice Requires="p14">
       <p:transition p14:dur="0"/>
     </mc:Choice>
-    <mc:Fallback>
+    <mc:Fallback xmlns="">
       <p:transition/>
     </mc:Fallback>
   </mc:AlternateContent>
@@ -8286,16 +8262,7 @@
                 </a:solidFill>
                 <a:latin typeface="Consolas" panose="020B0609020204030204" pitchFamily="49" charset="0"/>
               </a:rPr>
-              <a:t>v =&gt; </a:t>
-            </a:r>
-            <a:r>
-              <a:rPr lang="da-DK" sz="4800" b="1">
-                <a:solidFill>
-                  <a:srgbClr val="FF0000"/>
-                </a:solidFill>
-                <a:latin typeface="Consolas" panose="020B0609020204030204" pitchFamily="49" charset="0"/>
-              </a:rPr>
-              <a:t>v </a:t>
+              <a:t>v =&gt; v </a:t>
             </a:r>
             <a:r>
               <a:rPr lang="da-DK" sz="4800" b="1" smtClean="0">
@@ -8640,16 +8607,7 @@
                 </a:solidFill>
                 <a:latin typeface="Consolas" panose="020B0609020204030204" pitchFamily="49" charset="0"/>
               </a:rPr>
-              <a:t>v =&gt; </a:t>
-            </a:r>
-            <a:r>
-              <a:rPr lang="da-DK" sz="4800" b="1">
-                <a:solidFill>
-                  <a:srgbClr val="FF0000"/>
-                </a:solidFill>
-                <a:latin typeface="Consolas" panose="020B0609020204030204" pitchFamily="49" charset="0"/>
-              </a:rPr>
-              <a:t>v </a:t>
+              <a:t>v =&gt; v </a:t>
             </a:r>
             <a:r>
               <a:rPr lang="da-DK" sz="4800" b="1" smtClean="0">
@@ -9168,11 +9126,11 @@
   <p:clrMapOvr>
     <a:masterClrMapping/>
   </p:clrMapOvr>
-  <mc:AlternateContent xmlns:mc="http://schemas.openxmlformats.org/markup-compatibility/2006">
-    <mc:Choice xmlns:p14="http://schemas.microsoft.com/office/powerpoint/2010/main" Requires="p14">
+  <mc:AlternateContent xmlns:mc="http://schemas.openxmlformats.org/markup-compatibility/2006" xmlns:p14="http://schemas.microsoft.com/office/powerpoint/2010/main">
+    <mc:Choice Requires="p14">
       <p:transition p14:dur="0"/>
     </mc:Choice>
-    <mc:Fallback>
+    <mc:Fallback xmlns="">
       <p:transition/>
     </mc:Fallback>
   </mc:AlternateContent>
@@ -10310,11 +10268,11 @@
   <p:clrMapOvr>
     <a:masterClrMapping/>
   </p:clrMapOvr>
-  <mc:AlternateContent xmlns:mc="http://schemas.openxmlformats.org/markup-compatibility/2006">
-    <mc:Choice xmlns:p14="http://schemas.microsoft.com/office/powerpoint/2010/main" Requires="p14">
+  <mc:AlternateContent xmlns:mc="http://schemas.openxmlformats.org/markup-compatibility/2006" xmlns:p14="http://schemas.microsoft.com/office/powerpoint/2010/main">
+    <mc:Choice Requires="p14">
       <p:transition p14:dur="0"/>
     </mc:Choice>
-    <mc:Fallback>
+    <mc:Fallback xmlns="">
       <p:transition/>
     </mc:Fallback>
   </mc:AlternateContent>
@@ -10613,11 +10571,11 @@
   <p:clrMapOvr>
     <a:masterClrMapping/>
   </p:clrMapOvr>
-  <mc:AlternateContent xmlns:mc="http://schemas.openxmlformats.org/markup-compatibility/2006">
-    <mc:Choice xmlns:p14="http://schemas.microsoft.com/office/powerpoint/2010/main" Requires="p14">
+  <mc:AlternateContent xmlns:mc="http://schemas.openxmlformats.org/markup-compatibility/2006" xmlns:p14="http://schemas.microsoft.com/office/powerpoint/2010/main">
+    <mc:Choice Requires="p14">
       <p:transition p14:dur="0"/>
     </mc:Choice>
-    <mc:Fallback>
+    <mc:Fallback xmlns="">
       <p:transition/>
     </mc:Fallback>
   </mc:AlternateContent>
@@ -10826,11 +10784,11 @@
   <p:clrMapOvr>
     <a:masterClrMapping/>
   </p:clrMapOvr>
-  <mc:AlternateContent xmlns:mc="http://schemas.openxmlformats.org/markup-compatibility/2006">
-    <mc:Choice xmlns:p14="http://schemas.microsoft.com/office/powerpoint/2010/main" Requires="p14">
+  <mc:AlternateContent xmlns:mc="http://schemas.openxmlformats.org/markup-compatibility/2006" xmlns:p14="http://schemas.microsoft.com/office/powerpoint/2010/main">
+    <mc:Choice Requires="p14">
       <p:transition p14:dur="0"/>
     </mc:Choice>
-    <mc:Fallback>
+    <mc:Fallback xmlns="">
       <p:transition/>
     </mc:Fallback>
   </mc:AlternateContent>
@@ -11069,31 +11027,16 @@
               <a:rPr lang="da-DK" sz="2400" b="1">
                 <a:latin typeface="Consolas" panose="020B0609020204030204" pitchFamily="49" charset="0"/>
               </a:rPr>
-              <a:t>.WriteLine</a:t>
+              <a:t>.WriteLine(</a:t>
             </a:r>
             <a:r>
               <a:rPr lang="da-DK" sz="2400" b="1">
-                <a:latin typeface="Consolas" panose="020B0609020204030204" pitchFamily="49" charset="0"/>
-              </a:rPr>
-              <a:t>(</a:t>
-            </a:r>
-            <a:r>
-              <a:rPr lang="da-DK" sz="2400" b="1">
                 <a:solidFill>
                   <a:srgbClr val="C00000"/>
                 </a:solidFill>
                 <a:latin typeface="Consolas" panose="020B0609020204030204" pitchFamily="49" charset="0"/>
               </a:rPr>
-              <a:t>$"T is {t</a:t>
-            </a:r>
-            <a:r>
-              <a:rPr lang="da-DK" sz="2400" b="1">
-                <a:solidFill>
-                  <a:srgbClr val="C00000"/>
-                </a:solidFill>
-                <a:latin typeface="Consolas" panose="020B0609020204030204" pitchFamily="49" charset="0"/>
-              </a:rPr>
-              <a:t>}"</a:t>
+              <a:t>$"T is {t}"</a:t>
             </a:r>
             <a:r>
               <a:rPr lang="da-DK" sz="2400" b="1" smtClean="0">
@@ -11160,7 +11103,16 @@
                 </a:solidFill>
                 <a:latin typeface="Consolas" panose="020B0609020204030204" pitchFamily="49" charset="0"/>
               </a:rPr>
-              <a:t>$"</a:t>
+              <a:t>$"T =</a:t>
+            </a:r>
+            <a:r>
+              <a:rPr lang="da-DK" sz="2400" b="1" smtClean="0">
+                <a:solidFill>
+                  <a:srgbClr val="C00000"/>
+                </a:solidFill>
+                <a:latin typeface="Consolas" panose="020B0609020204030204" pitchFamily="49" charset="0"/>
+              </a:rPr>
+              <a:t> </a:t>
             </a:r>
             <a:r>
               <a:rPr lang="da-DK" sz="2400" b="1">
@@ -11169,43 +11121,7 @@
                 </a:solidFill>
                 <a:latin typeface="Consolas" panose="020B0609020204030204" pitchFamily="49" charset="0"/>
               </a:rPr>
-              <a:t>T </a:t>
-            </a:r>
-            <a:r>
-              <a:rPr lang="da-DK" sz="2400" b="1">
-                <a:solidFill>
-                  <a:srgbClr val="C00000"/>
-                </a:solidFill>
-                <a:latin typeface="Consolas" panose="020B0609020204030204" pitchFamily="49" charset="0"/>
-              </a:rPr>
-              <a:t>=</a:t>
-            </a:r>
-            <a:r>
-              <a:rPr lang="da-DK" sz="2400" b="1" smtClean="0">
-                <a:solidFill>
-                  <a:srgbClr val="C00000"/>
-                </a:solidFill>
-                <a:latin typeface="Consolas" panose="020B0609020204030204" pitchFamily="49" charset="0"/>
-              </a:rPr>
-              <a:t> </a:t>
-            </a:r>
-            <a:r>
-              <a:rPr lang="da-DK" sz="2400" b="1">
-                <a:solidFill>
-                  <a:srgbClr val="C00000"/>
-                </a:solidFill>
-                <a:latin typeface="Consolas" panose="020B0609020204030204" pitchFamily="49" charset="0"/>
-              </a:rPr>
-              <a:t>{t</a:t>
-            </a:r>
-            <a:r>
-              <a:rPr lang="da-DK" sz="2400" b="1">
-                <a:solidFill>
-                  <a:srgbClr val="C00000"/>
-                </a:solidFill>
-                <a:latin typeface="Consolas" panose="020B0609020204030204" pitchFamily="49" charset="0"/>
-              </a:rPr>
-              <a:t>}"</a:t>
+              <a:t>{t}"</a:t>
             </a:r>
             <a:r>
               <a:rPr lang="da-DK" sz="2400" b="1">
@@ -11900,11 +11816,11 @@
   <p:clrMapOvr>
     <a:masterClrMapping/>
   </p:clrMapOvr>
-  <mc:AlternateContent xmlns:mc="http://schemas.openxmlformats.org/markup-compatibility/2006">
-    <mc:Choice xmlns:p14="http://schemas.microsoft.com/office/powerpoint/2010/main" Requires="p14">
+  <mc:AlternateContent xmlns:mc="http://schemas.openxmlformats.org/markup-compatibility/2006" xmlns:p14="http://schemas.microsoft.com/office/powerpoint/2010/main">
+    <mc:Choice Requires="p14">
       <p:transition p14:dur="0"/>
     </mc:Choice>
-    <mc:Fallback>
+    <mc:Fallback xmlns="">
       <p:transition/>
     </mc:Fallback>
   </mc:AlternateContent>
@@ -11997,16 +11913,7 @@
                 </a:solidFill>
                 <a:latin typeface="Consolas" panose="020B0609020204030204" pitchFamily="49" charset="0"/>
               </a:rPr>
-              <a:t>public </a:t>
-            </a:r>
-            <a:r>
-              <a:rPr lang="da-DK" b="1">
-                <a:solidFill>
-                  <a:srgbClr val="0070C0"/>
-                </a:solidFill>
-                <a:latin typeface="Consolas" panose="020B0609020204030204" pitchFamily="49" charset="0"/>
-              </a:rPr>
-              <a:t>class </a:t>
+              <a:t>public class </a:t>
             </a:r>
             <a:r>
               <a:rPr lang="da-DK" b="1" smtClean="0">
@@ -12089,7 +11996,18 @@
                 </a:solidFill>
                 <a:latin typeface="Consolas" panose="020B0609020204030204" pitchFamily="49" charset="0"/>
               </a:rPr>
-              <a:t>    void </a:t>
+              <a:t>    </a:t>
+            </a:r>
+            <a:r>
+              <a:rPr lang="da-DK" b="1" smtClean="0">
+                <a:solidFill>
+                  <a:schemeClr val="accent1">
+                    <a:lumMod val="75000"/>
+                  </a:schemeClr>
+                </a:solidFill>
+                <a:latin typeface="Consolas" panose="020B0609020204030204" pitchFamily="49" charset="0"/>
+              </a:rPr>
+              <a:t>public void </a:t>
             </a:r>
             <a:r>
               <a:rPr lang="da-DK" b="1">
@@ -12308,11 +12226,11 @@
   <p:clrMapOvr>
     <a:masterClrMapping/>
   </p:clrMapOvr>
-  <mc:AlternateContent xmlns:mc="http://schemas.openxmlformats.org/markup-compatibility/2006">
-    <mc:Choice xmlns:p14="http://schemas.microsoft.com/office/powerpoint/2010/main" Requires="p14">
+  <mc:AlternateContent xmlns:mc="http://schemas.openxmlformats.org/markup-compatibility/2006" xmlns:p14="http://schemas.microsoft.com/office/powerpoint/2010/main">
+    <mc:Choice Requires="p14">
       <p:transition p14:dur="0"/>
     </mc:Choice>
-    <mc:Fallback>
+    <mc:Fallback xmlns="">
       <p:transition/>
     </mc:Fallback>
   </mc:AlternateContent>
@@ -12492,13 +12410,7 @@
               <a:rPr lang="da-DK" sz="2400" b="1">
                 <a:latin typeface="Consolas" panose="020B0609020204030204" pitchFamily="49" charset="0"/>
               </a:rPr>
-              <a:t>m</a:t>
-            </a:r>
-            <a:r>
-              <a:rPr lang="da-DK" sz="2400" b="1">
-                <a:latin typeface="Consolas" panose="020B0609020204030204" pitchFamily="49" charset="0"/>
-              </a:rPr>
-              <a:t>onitor</a:t>
+              <a:t>monitor</a:t>
             </a:r>
             <a:r>
               <a:rPr lang="da-DK" sz="2400" b="1" smtClean="0">
@@ -12639,18 +12551,7 @@
                 </a:solidFill>
                 <a:latin typeface="Consolas" panose="020B0609020204030204" pitchFamily="49" charset="0"/>
               </a:rPr>
-              <a:t> </a:t>
-            </a:r>
-            <a:r>
-              <a:rPr lang="da-DK" sz="2400" b="1">
-                <a:solidFill>
-                  <a:schemeClr val="accent6">
-                    <a:lumMod val="75000"/>
-                  </a:schemeClr>
-                </a:solidFill>
-                <a:latin typeface="Consolas" panose="020B0609020204030204" pitchFamily="49" charset="0"/>
-              </a:rPr>
-              <a:t>GuiClient</a:t>
+              <a:t> GuiClient</a:t>
             </a:r>
             <a:r>
               <a:rPr lang="da-DK" sz="2400" b="1" smtClean="0">
@@ -12688,11 +12589,11 @@
   <p:clrMapOvr>
     <a:masterClrMapping/>
   </p:clrMapOvr>
-  <mc:AlternateContent xmlns:mc="http://schemas.openxmlformats.org/markup-compatibility/2006">
-    <mc:Choice xmlns:p14="http://schemas.microsoft.com/office/powerpoint/2010/main" Requires="p14">
+  <mc:AlternateContent xmlns:mc="http://schemas.openxmlformats.org/markup-compatibility/2006" xmlns:p14="http://schemas.microsoft.com/office/powerpoint/2010/main">
+    <mc:Choice Requires="p14">
       <p:transition p14:dur="0"/>
     </mc:Choice>
-    <mc:Fallback>
+    <mc:Fallback xmlns="">
       <p:transition/>
     </mc:Fallback>
   </mc:AlternateContent>
@@ -12775,7 +12676,6 @@
               <a:rPr lang="da-DK" sz="3600" smtClean="0"/>
               <a:t>Monitor:monitor</a:t>
             </a:r>
-            <a:endParaRPr lang="da-DK" sz="3600" smtClean="0"/>
           </a:p>
           <a:p>
             <a:pPr algn="ctr"/>
@@ -12835,7 +12735,6 @@
               <a:rPr lang="da-DK" sz="3600" smtClean="0"/>
               <a:t>GUIClient:gc1</a:t>
             </a:r>
-            <a:endParaRPr lang="da-DK" sz="3600" smtClean="0"/>
           </a:p>
           <a:p>
             <a:pPr algn="ctr"/>
@@ -13010,13 +12909,7 @@
               <a:rPr lang="da-DK" sz="2400" b="1" smtClean="0">
                 <a:latin typeface="Consolas" panose="020B0609020204030204" pitchFamily="49" charset="0"/>
               </a:rPr>
-              <a:t>TemperatureHasChanged</a:t>
-            </a:r>
-            <a:r>
-              <a:rPr lang="da-DK" sz="2400" b="1" smtClean="0">
-                <a:latin typeface="Consolas" panose="020B0609020204030204" pitchFamily="49" charset="0"/>
-              </a:rPr>
-              <a:t>(</a:t>
+              <a:t>TemperatureHasChanged(</a:t>
             </a:r>
             <a:r>
               <a:rPr lang="da-DK" sz="2400" b="1" smtClean="0">
@@ -13033,19 +12926,7 @@
               <a:rPr lang="da-DK" sz="2400" b="1" smtClean="0">
                 <a:latin typeface="Consolas" panose="020B0609020204030204" pitchFamily="49" charset="0"/>
               </a:rPr>
-              <a:t> </a:t>
-            </a:r>
-            <a:r>
-              <a:rPr lang="da-DK" sz="2400" b="1" smtClean="0">
-                <a:latin typeface="Consolas" panose="020B0609020204030204" pitchFamily="49" charset="0"/>
-              </a:rPr>
-              <a:t>t</a:t>
-            </a:r>
-            <a:r>
-              <a:rPr lang="da-DK" sz="2400" b="1" smtClean="0">
-                <a:latin typeface="Consolas" panose="020B0609020204030204" pitchFamily="49" charset="0"/>
-              </a:rPr>
-              <a:t>)</a:t>
+              <a:t> t)</a:t>
             </a:r>
           </a:p>
           <a:p>
@@ -13201,7 +13082,6 @@
               <a:rPr lang="da-DK" sz="3600" smtClean="0"/>
               <a:t>Monitor:monitor</a:t>
             </a:r>
-            <a:endParaRPr lang="da-DK" sz="3600" smtClean="0"/>
           </a:p>
           <a:p>
             <a:pPr algn="ctr"/>
@@ -13261,7 +13141,6 @@
               <a:rPr lang="da-DK" sz="3600" smtClean="0"/>
               <a:t>GUIClient:gc2</a:t>
             </a:r>
-            <a:endParaRPr lang="da-DK" sz="3600" smtClean="0"/>
           </a:p>
           <a:p>
             <a:pPr algn="ctr"/>
@@ -13366,7 +13245,6 @@
               <a:rPr lang="da-DK" sz="3600" smtClean="0"/>
               <a:t>GUIClient:gc1</a:t>
             </a:r>
-            <a:endParaRPr lang="da-DK" sz="3600" smtClean="0"/>
           </a:p>
           <a:p>
             <a:pPr algn="ctr"/>
@@ -13435,7 +13313,6 @@
               <a:rPr lang="da-DK" sz="3600" smtClean="0"/>
               <a:t>GUIClient:gc3</a:t>
             </a:r>
-            <a:endParaRPr lang="da-DK" sz="3600" smtClean="0"/>
           </a:p>
           <a:p>
             <a:pPr algn="ctr"/>
@@ -13631,13 +13508,13 @@
   <p:clrMapOvr>
     <a:masterClrMapping/>
   </p:clrMapOvr>
-  <mc:AlternateContent xmlns:mc="http://schemas.openxmlformats.org/markup-compatibility/2006">
-    <mc:Choice xmlns:p14="http://schemas.microsoft.com/office/powerpoint/2010/main" Requires="p14">
+  <mc:AlternateContent xmlns:mc="http://schemas.openxmlformats.org/markup-compatibility/2006" xmlns:p14="http://schemas.microsoft.com/office/powerpoint/2010/main">
+    <mc:Choice Requires="p14">
       <p:transition spd="med" p14:dur="700">
         <p:fade/>
       </p:transition>
     </mc:Choice>
-    <mc:Fallback>
+    <mc:Fallback xmlns="">
       <p:transition spd="med">
         <p:fade/>
       </p:transition>
@@ -13722,7 +13599,6 @@
               <a:rPr lang="da-DK" sz="3600" smtClean="0"/>
               <a:t>Monitor:monitor</a:t>
             </a:r>
-            <a:endParaRPr lang="da-DK" sz="3600" smtClean="0"/>
           </a:p>
           <a:p>
             <a:pPr algn="ctr"/>
@@ -13782,7 +13658,6 @@
               <a:rPr lang="da-DK" sz="3600" smtClean="0"/>
               <a:t>GUIClient:gc2</a:t>
             </a:r>
-            <a:endParaRPr lang="da-DK" sz="3600" smtClean="0"/>
           </a:p>
           <a:p>
             <a:pPr algn="ctr"/>
@@ -13887,7 +13762,6 @@
               <a:rPr lang="da-DK" sz="3600" smtClean="0"/>
               <a:t>GUIClient:gc1</a:t>
             </a:r>
-            <a:endParaRPr lang="da-DK" sz="3600" smtClean="0"/>
           </a:p>
           <a:p>
             <a:pPr algn="ctr"/>
@@ -13956,7 +13830,6 @@
               <a:rPr lang="da-DK" sz="3600" smtClean="0"/>
               <a:t>GUIClient:gc3</a:t>
             </a:r>
-            <a:endParaRPr lang="da-DK" sz="3600" smtClean="0"/>
           </a:p>
           <a:p>
             <a:pPr algn="ctr"/>
@@ -14187,7 +14060,6 @@
               <a:rPr lang="da-DK" sz="3600" smtClean="0"/>
               <a:t>OtherClass:obj</a:t>
             </a:r>
-            <a:endParaRPr lang="da-DK" sz="3600" smtClean="0"/>
           </a:p>
           <a:p>
             <a:pPr algn="ctr"/>
@@ -14282,13 +14154,13 @@
   <p:clrMapOvr>
     <a:masterClrMapping/>
   </p:clrMapOvr>
-  <mc:AlternateContent xmlns:mc="http://schemas.openxmlformats.org/markup-compatibility/2006">
-    <mc:Choice xmlns:p14="http://schemas.microsoft.com/office/powerpoint/2010/main" Requires="p14">
+  <mc:AlternateContent xmlns:mc="http://schemas.openxmlformats.org/markup-compatibility/2006" xmlns:p14="http://schemas.microsoft.com/office/powerpoint/2010/main">
+    <mc:Choice Requires="p14">
       <p:transition spd="med" p14:dur="700">
         <p:fade/>
       </p:transition>
     </mc:Choice>
-    <mc:Fallback>
+    <mc:Fallback xmlns="">
       <p:transition spd="med">
         <p:fade/>
       </p:transition>
@@ -14391,13 +14263,7 @@
               <a:rPr lang="da-DK" sz="2400" b="1">
                 <a:latin typeface="Consolas" panose="020B0609020204030204" pitchFamily="49" charset="0"/>
               </a:rPr>
-              <a:t>m</a:t>
-            </a:r>
-            <a:r>
-              <a:rPr lang="da-DK" sz="2400" b="1">
-                <a:latin typeface="Consolas" panose="020B0609020204030204" pitchFamily="49" charset="0"/>
-              </a:rPr>
-              <a:t>onitor</a:t>
+              <a:t>monitor</a:t>
             </a:r>
             <a:r>
               <a:rPr lang="da-DK" sz="2400" b="1" smtClean="0">
@@ -14538,18 +14404,7 @@
                 </a:solidFill>
                 <a:latin typeface="Consolas" panose="020B0609020204030204" pitchFamily="49" charset="0"/>
               </a:rPr>
-              <a:t> </a:t>
-            </a:r>
-            <a:r>
-              <a:rPr lang="da-DK" sz="2400" b="1">
-                <a:solidFill>
-                  <a:schemeClr val="accent6">
-                    <a:lumMod val="75000"/>
-                  </a:schemeClr>
-                </a:solidFill>
-                <a:latin typeface="Consolas" panose="020B0609020204030204" pitchFamily="49" charset="0"/>
-              </a:rPr>
-              <a:t>GuiClient</a:t>
+              <a:t> GuiClient</a:t>
             </a:r>
             <a:r>
               <a:rPr lang="da-DK" sz="2400" b="1" smtClean="0">
@@ -15629,27 +15484,8 @@
                 </a:solidFill>
                 <a:latin typeface="Consolas" panose="020B0609020204030204" pitchFamily="49" charset="0"/>
               </a:rPr>
-              <a:t>// </a:t>
-            </a:r>
-            <a:r>
-              <a:rPr lang="da-DK" sz="2000" b="1" smtClean="0">
-                <a:solidFill>
-                  <a:schemeClr val="accent6">
-                    <a:lumMod val="75000"/>
-                  </a:schemeClr>
-                </a:solidFill>
-                <a:latin typeface="Consolas" panose="020B0609020204030204" pitchFamily="49" charset="0"/>
-              </a:rPr>
-              <a:t>…very similar to:</a:t>
-            </a:r>
-            <a:endParaRPr lang="da-DK" sz="2000" b="1" smtClean="0">
-              <a:solidFill>
-                <a:schemeClr val="accent6">
-                  <a:lumMod val="75000"/>
-                </a:schemeClr>
-              </a:solidFill>
-              <a:latin typeface="Consolas" panose="020B0609020204030204" pitchFamily="49" charset="0"/>
-            </a:endParaRPr>
+              <a:t>// …very similar to:</a:t>
+            </a:r>
           </a:p>
           <a:p>
             <a:pPr marL="0" indent="0">
@@ -16294,22 +16130,22 @@
               <a:t> </a:t>
             </a:r>
             <a:r>
-              <a:rPr lang="en-US" sz="2400" b="1">
+              <a:rPr lang="en-US" sz="2400" b="1" smtClean="0">
                 <a:latin typeface="Consolas" panose="020B0609020204030204" pitchFamily="49" charset="0"/>
               </a:rPr>
               <a:t>(</a:t>
             </a:r>
             <a:r>
-              <a:rPr lang="en-US" sz="2400" b="1">
+              <a:rPr lang="en-US" sz="2400" b="1" smtClean="0">
                 <a:solidFill>
                   <a:srgbClr val="0070C0"/>
                 </a:solidFill>
                 <a:latin typeface="Consolas" panose="020B0609020204030204" pitchFamily="49" charset="0"/>
               </a:rPr>
-              <a:t>var</a:t>
-            </a:r>
-            <a:r>
-              <a:rPr lang="en-US" sz="2400" b="1">
+              <a:t>int</a:t>
+            </a:r>
+            <a:r>
+              <a:rPr lang="en-US" sz="2400" b="1" smtClean="0">
                 <a:latin typeface="Consolas" panose="020B0609020204030204" pitchFamily="49" charset="0"/>
               </a:rPr>
               <a:t> </a:t>
@@ -16662,11 +16498,11 @@
   <p:clrMapOvr>
     <a:masterClrMapping/>
   </p:clrMapOvr>
-  <mc:AlternateContent xmlns:mc="http://schemas.openxmlformats.org/markup-compatibility/2006">
-    <mc:Choice xmlns:p14="http://schemas.microsoft.com/office/powerpoint/2010/main" Requires="p14">
+  <mc:AlternateContent xmlns:mc="http://schemas.openxmlformats.org/markup-compatibility/2006" xmlns:p14="http://schemas.microsoft.com/office/powerpoint/2010/main">
+    <mc:Choice Requires="p14">
       <p:transition p14:dur="0"/>
     </mc:Choice>
-    <mc:Fallback>
+    <mc:Fallback xmlns="">
       <p:transition/>
     </mc:Fallback>
   </mc:AlternateContent>
@@ -16974,11 +16810,11 @@
   <p:clrMapOvr>
     <a:masterClrMapping/>
   </p:clrMapOvr>
-  <mc:AlternateContent xmlns:mc="http://schemas.openxmlformats.org/markup-compatibility/2006">
-    <mc:Choice xmlns:p14="http://schemas.microsoft.com/office/powerpoint/2010/main" Requires="p14">
+  <mc:AlternateContent xmlns:mc="http://schemas.openxmlformats.org/markup-compatibility/2006" xmlns:p14="http://schemas.microsoft.com/office/powerpoint/2010/main">
+    <mc:Choice Requires="p14">
       <p:transition p14:dur="0"/>
     </mc:Choice>
-    <mc:Fallback>
+    <mc:Fallback xmlns="">
       <p:transition/>
     </mc:Fallback>
   </mc:AlternateContent>
@@ -17038,7 +16874,7 @@
               <a:buNone/>
             </a:pPr>
             <a:r>
-              <a:rPr lang="da-DK" sz="2400" b="1" smtClean="0">
+              <a:rPr lang="da-DK" sz="2000" b="1" smtClean="0">
                 <a:solidFill>
                   <a:srgbClr val="0070C0"/>
                 </a:solidFill>
@@ -17047,13 +16883,13 @@
               <a:t>public</a:t>
             </a:r>
             <a:r>
-              <a:rPr lang="da-DK" sz="2400" b="1" smtClean="0">
+              <a:rPr lang="da-DK" sz="2000" b="1" smtClean="0">
                 <a:latin typeface="Consolas" panose="020B0609020204030204" pitchFamily="49" charset="0"/>
               </a:rPr>
               <a:t> </a:t>
             </a:r>
             <a:r>
-              <a:rPr lang="da-DK" sz="2400" b="1" smtClean="0">
+              <a:rPr lang="da-DK" sz="2000" b="1" smtClean="0">
                 <a:solidFill>
                   <a:schemeClr val="accent6">
                     <a:lumMod val="75000"/>
@@ -17064,13 +16900,13 @@
               <a:t>List</a:t>
             </a:r>
             <a:r>
-              <a:rPr lang="da-DK" sz="2400" b="1" smtClean="0">
+              <a:rPr lang="da-DK" sz="2000" b="1" smtClean="0">
                 <a:latin typeface="Consolas" panose="020B0609020204030204" pitchFamily="49" charset="0"/>
               </a:rPr>
               <a:t>&lt;</a:t>
             </a:r>
             <a:r>
-              <a:rPr lang="da-DK" sz="2400" b="1">
+              <a:rPr lang="da-DK" sz="2000" b="1">
                 <a:solidFill>
                   <a:srgbClr val="0070C0"/>
                 </a:solidFill>
@@ -17079,13 +16915,13 @@
               <a:t>int</a:t>
             </a:r>
             <a:r>
-              <a:rPr lang="da-DK" sz="2400" b="1">
+              <a:rPr lang="da-DK" sz="2000" b="1">
                 <a:latin typeface="Consolas" panose="020B0609020204030204" pitchFamily="49" charset="0"/>
               </a:rPr>
               <a:t>&gt; FilterValues(</a:t>
             </a:r>
             <a:r>
-              <a:rPr lang="da-DK" sz="2400" b="1">
+              <a:rPr lang="da-DK" sz="2000" b="1">
                 <a:solidFill>
                   <a:schemeClr val="accent6">
                     <a:lumMod val="75000"/>
@@ -17096,13 +16932,13 @@
               <a:t>List</a:t>
             </a:r>
             <a:r>
-              <a:rPr lang="da-DK" sz="2400" b="1">
+              <a:rPr lang="da-DK" sz="2000" b="1">
                 <a:latin typeface="Consolas" panose="020B0609020204030204" pitchFamily="49" charset="0"/>
               </a:rPr>
               <a:t>&lt;</a:t>
             </a:r>
             <a:r>
-              <a:rPr lang="da-DK" sz="2400" b="1">
+              <a:rPr lang="da-DK" sz="2000" b="1">
                 <a:solidFill>
                   <a:srgbClr val="0070C0"/>
                 </a:solidFill>
@@ -17111,19 +16947,19 @@
               <a:t>int</a:t>
             </a:r>
             <a:r>
-              <a:rPr lang="da-DK" sz="2400" b="1">
+              <a:rPr lang="da-DK" sz="2000" b="1">
                 <a:latin typeface="Consolas" panose="020B0609020204030204" pitchFamily="49" charset="0"/>
               </a:rPr>
               <a:t>&gt; </a:t>
             </a:r>
             <a:r>
-              <a:rPr lang="da-DK" sz="2400" b="1" smtClean="0">
+              <a:rPr lang="da-DK" sz="2000" b="1" smtClean="0">
                 <a:latin typeface="Consolas" panose="020B0609020204030204" pitchFamily="49" charset="0"/>
               </a:rPr>
               <a:t>values, </a:t>
             </a:r>
             <a:r>
-              <a:rPr lang="da-DK" sz="2400" b="1">
+              <a:rPr lang="da-DK" sz="2000" b="1">
                 <a:solidFill>
                   <a:schemeClr val="accent6">
                     <a:lumMod val="75000"/>
@@ -17134,12 +16970,18 @@
               <a:t>ICondition</a:t>
             </a:r>
             <a:r>
-              <a:rPr lang="da-DK" sz="2400" b="1" smtClean="0">
-                <a:latin typeface="Consolas" panose="020B0609020204030204" pitchFamily="49" charset="0"/>
-              </a:rPr>
-              <a:t> cond)</a:t>
-            </a:r>
-            <a:endParaRPr lang="da-DK" sz="2400" b="1">
+              <a:rPr lang="da-DK" sz="2000" b="1" smtClean="0">
+                <a:latin typeface="Consolas" panose="020B0609020204030204" pitchFamily="49" charset="0"/>
+              </a:rPr>
+              <a:t> </a:t>
+            </a:r>
+            <a:r>
+              <a:rPr lang="da-DK" sz="2000" b="1" smtClean="0">
+                <a:latin typeface="Consolas" panose="020B0609020204030204" pitchFamily="49" charset="0"/>
+              </a:rPr>
+              <a:t>conditionObj)</a:t>
+            </a:r>
+            <a:endParaRPr lang="da-DK" sz="2000" b="1">
               <a:latin typeface="Consolas" panose="020B0609020204030204" pitchFamily="49" charset="0"/>
             </a:endParaRPr>
           </a:p>
@@ -17151,12 +16993,12 @@
               <a:buNone/>
             </a:pPr>
             <a:r>
-              <a:rPr lang="da-DK" sz="2400" b="1" smtClean="0">
+              <a:rPr lang="da-DK" sz="2000" b="1" smtClean="0">
                 <a:latin typeface="Consolas" panose="020B0609020204030204" pitchFamily="49" charset="0"/>
               </a:rPr>
               <a:t>{</a:t>
             </a:r>
-            <a:endParaRPr lang="da-DK" sz="2400" b="1">
+            <a:endParaRPr lang="da-DK" sz="2000" b="1">
               <a:latin typeface="Consolas" panose="020B0609020204030204" pitchFamily="49" charset="0"/>
             </a:endParaRPr>
           </a:p>
@@ -17168,19 +17010,19 @@
               <a:buNone/>
             </a:pPr>
             <a:r>
-              <a:rPr lang="da-DK" sz="2400" b="1">
+              <a:rPr lang="da-DK" sz="2000" b="1">
                 <a:latin typeface="Consolas" panose="020B0609020204030204" pitchFamily="49" charset="0"/>
               </a:rPr>
               <a:t> </a:t>
             </a:r>
             <a:r>
-              <a:rPr lang="da-DK" sz="2400" b="1" smtClean="0">
+              <a:rPr lang="da-DK" sz="2000" b="1" smtClean="0">
                 <a:latin typeface="Consolas" panose="020B0609020204030204" pitchFamily="49" charset="0"/>
               </a:rPr>
               <a:t>   </a:t>
             </a:r>
             <a:r>
-              <a:rPr lang="da-DK" sz="2400" b="1">
+              <a:rPr lang="da-DK" sz="2000" b="1">
                 <a:solidFill>
                   <a:schemeClr val="accent6">
                     <a:lumMod val="75000"/>
@@ -17191,13 +17033,13 @@
               <a:t>List</a:t>
             </a:r>
             <a:r>
-              <a:rPr lang="da-DK" sz="2400" b="1" smtClean="0">
+              <a:rPr lang="da-DK" sz="2000" b="1" smtClean="0">
                 <a:latin typeface="Consolas" panose="020B0609020204030204" pitchFamily="49" charset="0"/>
               </a:rPr>
               <a:t>&lt;</a:t>
             </a:r>
             <a:r>
-              <a:rPr lang="da-DK" sz="2400" b="1">
+              <a:rPr lang="da-DK" sz="2000" b="1">
                 <a:solidFill>
                   <a:srgbClr val="0070C0"/>
                 </a:solidFill>
@@ -17206,13 +17048,13 @@
               <a:t>int</a:t>
             </a:r>
             <a:r>
-              <a:rPr lang="da-DK" sz="2400" b="1">
+              <a:rPr lang="da-DK" sz="2000" b="1">
                 <a:latin typeface="Consolas" panose="020B0609020204030204" pitchFamily="49" charset="0"/>
               </a:rPr>
               <a:t>&gt; filteredValues = </a:t>
             </a:r>
             <a:r>
-              <a:rPr lang="da-DK" sz="2400" b="1">
+              <a:rPr lang="da-DK" sz="2000" b="1">
                 <a:solidFill>
                   <a:srgbClr val="0070C0"/>
                 </a:solidFill>
@@ -17221,13 +17063,13 @@
               <a:t>new</a:t>
             </a:r>
             <a:r>
-              <a:rPr lang="da-DK" sz="2400" b="1">
+              <a:rPr lang="da-DK" sz="2000" b="1">
                 <a:latin typeface="Consolas" panose="020B0609020204030204" pitchFamily="49" charset="0"/>
               </a:rPr>
               <a:t> </a:t>
             </a:r>
             <a:r>
-              <a:rPr lang="da-DK" sz="2400" b="1">
+              <a:rPr lang="da-DK" sz="2000" b="1">
                 <a:solidFill>
                   <a:schemeClr val="accent6">
                     <a:lumMod val="75000"/>
@@ -17238,13 +17080,13 @@
               <a:t>List</a:t>
             </a:r>
             <a:r>
-              <a:rPr lang="da-DK" sz="2400" b="1">
+              <a:rPr lang="da-DK" sz="2000" b="1">
                 <a:latin typeface="Consolas" panose="020B0609020204030204" pitchFamily="49" charset="0"/>
               </a:rPr>
               <a:t>&lt;</a:t>
             </a:r>
             <a:r>
-              <a:rPr lang="da-DK" sz="2400" b="1">
+              <a:rPr lang="da-DK" sz="2000" b="1">
                 <a:solidFill>
                   <a:srgbClr val="0070C0"/>
                 </a:solidFill>
@@ -17253,7 +17095,7 @@
               <a:t>int</a:t>
             </a:r>
             <a:r>
-              <a:rPr lang="da-DK" sz="2400" b="1">
+              <a:rPr lang="da-DK" sz="2000" b="1">
                 <a:latin typeface="Consolas" panose="020B0609020204030204" pitchFamily="49" charset="0"/>
               </a:rPr>
               <a:t>&gt;();</a:t>
@@ -17266,7 +17108,7 @@
               </a:spcBef>
               <a:buNone/>
             </a:pPr>
-            <a:endParaRPr lang="da-DK" sz="2400" b="1">
+            <a:endParaRPr lang="da-DK" sz="2000" b="1">
               <a:latin typeface="Consolas" panose="020B0609020204030204" pitchFamily="49" charset="0"/>
             </a:endParaRPr>
           </a:p>
@@ -17278,13 +17120,13 @@
               <a:buNone/>
             </a:pPr>
             <a:r>
-              <a:rPr lang="en-US" sz="2400" b="1" smtClean="0">
+              <a:rPr lang="en-US" sz="2000" b="1" smtClean="0">
                 <a:latin typeface="Consolas" panose="020B0609020204030204" pitchFamily="49" charset="0"/>
               </a:rPr>
               <a:t>    </a:t>
             </a:r>
             <a:r>
-              <a:rPr lang="en-US" sz="2400" b="1">
+              <a:rPr lang="en-US" sz="2000" b="1">
                 <a:solidFill>
                   <a:srgbClr val="0070C0"/>
                 </a:solidFill>
@@ -17293,40 +17135,40 @@
               <a:t>foreach</a:t>
             </a:r>
             <a:r>
-              <a:rPr lang="en-US" sz="2400" b="1" smtClean="0">
+              <a:rPr lang="en-US" sz="2000" b="1" smtClean="0">
                 <a:latin typeface="Consolas" panose="020B0609020204030204" pitchFamily="49" charset="0"/>
               </a:rPr>
               <a:t> </a:t>
             </a:r>
             <a:r>
-              <a:rPr lang="en-US" sz="2400" b="1">
+              <a:rPr lang="en-US" sz="2000" b="1" smtClean="0">
                 <a:latin typeface="Consolas" panose="020B0609020204030204" pitchFamily="49" charset="0"/>
               </a:rPr>
               <a:t>(</a:t>
             </a:r>
             <a:r>
-              <a:rPr lang="en-US" sz="2400" b="1">
+              <a:rPr lang="en-US" sz="2000" b="1" smtClean="0">
                 <a:solidFill>
                   <a:srgbClr val="0070C0"/>
                 </a:solidFill>
                 <a:latin typeface="Consolas" panose="020B0609020204030204" pitchFamily="49" charset="0"/>
               </a:rPr>
-              <a:t>var</a:t>
-            </a:r>
-            <a:r>
-              <a:rPr lang="en-US" sz="2400" b="1">
+              <a:t>int</a:t>
+            </a:r>
+            <a:r>
+              <a:rPr lang="en-US" sz="2000" b="1" smtClean="0">
                 <a:latin typeface="Consolas" panose="020B0609020204030204" pitchFamily="49" charset="0"/>
               </a:rPr>
               <a:t> </a:t>
             </a:r>
             <a:r>
-              <a:rPr lang="en-US" sz="2400" b="1" smtClean="0">
+              <a:rPr lang="en-US" sz="2000" b="1" smtClean="0">
                 <a:latin typeface="Consolas" panose="020B0609020204030204" pitchFamily="49" charset="0"/>
               </a:rPr>
               <a:t>v </a:t>
             </a:r>
             <a:r>
-              <a:rPr lang="en-US" sz="2400" b="1">
+              <a:rPr lang="en-US" sz="2000" b="1">
                 <a:solidFill>
                   <a:srgbClr val="0070C0"/>
                 </a:solidFill>
@@ -17335,7 +17177,7 @@
               <a:t>in</a:t>
             </a:r>
             <a:r>
-              <a:rPr lang="en-US" sz="2400" b="1">
+              <a:rPr lang="en-US" sz="2000" b="1">
                 <a:latin typeface="Consolas" panose="020B0609020204030204" pitchFamily="49" charset="0"/>
               </a:rPr>
               <a:t> values)</a:t>
@@ -17349,12 +17191,12 @@
               <a:buNone/>
             </a:pPr>
             <a:r>
-              <a:rPr lang="da-DK" sz="2400" b="1" smtClean="0">
+              <a:rPr lang="da-DK" sz="2000" b="1" smtClean="0">
                 <a:latin typeface="Consolas" panose="020B0609020204030204" pitchFamily="49" charset="0"/>
               </a:rPr>
               <a:t>    {</a:t>
             </a:r>
-            <a:endParaRPr lang="da-DK" sz="2400" b="1">
+            <a:endParaRPr lang="da-DK" sz="2000" b="1">
               <a:latin typeface="Consolas" panose="020B0609020204030204" pitchFamily="49" charset="0"/>
             </a:endParaRPr>
           </a:p>
@@ -17366,13 +17208,13 @@
               <a:buNone/>
             </a:pPr>
             <a:r>
-              <a:rPr lang="da-DK" sz="2400" b="1" smtClean="0">
+              <a:rPr lang="da-DK" sz="2000" b="1" smtClean="0">
                 <a:latin typeface="Consolas" panose="020B0609020204030204" pitchFamily="49" charset="0"/>
               </a:rPr>
               <a:t>        </a:t>
             </a:r>
             <a:r>
-              <a:rPr lang="da-DK" sz="2400" b="1">
+              <a:rPr lang="da-DK" sz="2000" b="1">
                 <a:solidFill>
                   <a:srgbClr val="0070C0"/>
                 </a:solidFill>
@@ -17381,27 +17223,51 @@
               <a:t>if</a:t>
             </a:r>
             <a:r>
-              <a:rPr lang="da-DK" sz="2400" b="1" smtClean="0">
-                <a:latin typeface="Consolas" panose="020B0609020204030204" pitchFamily="49" charset="0"/>
-              </a:rPr>
-              <a:t> (</a:t>
-            </a:r>
-            <a:r>
-              <a:rPr lang="da-DK" sz="2400" b="1" smtClean="0">
+              <a:rPr lang="da-DK" sz="2000" b="1" smtClean="0">
+                <a:latin typeface="Consolas" panose="020B0609020204030204" pitchFamily="49" charset="0"/>
+              </a:rPr>
+              <a:t> </a:t>
+            </a:r>
+            <a:r>
+              <a:rPr lang="da-DK" sz="2000" b="1" smtClean="0">
+                <a:latin typeface="Consolas" panose="020B0609020204030204" pitchFamily="49" charset="0"/>
+              </a:rPr>
+              <a:t>(</a:t>
+            </a:r>
+            <a:r>
+              <a:rPr lang="da-DK" sz="2000" b="1" smtClean="0">
                 <a:solidFill>
                   <a:srgbClr val="FF0000"/>
                 </a:solidFill>
                 <a:latin typeface="Consolas" panose="020B0609020204030204" pitchFamily="49" charset="0"/>
               </a:rPr>
-              <a:t>cond.Condition(v)</a:t>
-            </a:r>
-            <a:r>
-              <a:rPr lang="da-DK" sz="2400" b="1" smtClean="0">
+              <a:t>conditionObj.</a:t>
+            </a:r>
+            <a:r>
+              <a:rPr lang="da-DK" sz="2000" b="1" smtClean="0">
+                <a:solidFill>
+                  <a:srgbClr val="FF0000"/>
+                </a:solidFill>
+                <a:latin typeface="Consolas" panose="020B0609020204030204" pitchFamily="49" charset="0"/>
+              </a:rPr>
+              <a:t>Condition(v</a:t>
+            </a:r>
+            <a:r>
+              <a:rPr lang="da-DK" sz="2000" b="1" smtClean="0">
+                <a:solidFill>
+                  <a:srgbClr val="FF0000"/>
+                </a:solidFill>
                 <a:latin typeface="Consolas" panose="020B0609020204030204" pitchFamily="49" charset="0"/>
               </a:rPr>
               <a:t>)</a:t>
             </a:r>
-            <a:endParaRPr lang="da-DK" sz="2400" b="1">
+            <a:r>
+              <a:rPr lang="da-DK" sz="2000" b="1" smtClean="0">
+                <a:latin typeface="Consolas" panose="020B0609020204030204" pitchFamily="49" charset="0"/>
+              </a:rPr>
+              <a:t>)</a:t>
+            </a:r>
+            <a:endParaRPr lang="da-DK" sz="2000" b="1">
               <a:latin typeface="Consolas" panose="020B0609020204030204" pitchFamily="49" charset="0"/>
             </a:endParaRPr>
           </a:p>
@@ -17413,12 +17279,12 @@
               <a:buNone/>
             </a:pPr>
             <a:r>
-              <a:rPr lang="da-DK" sz="2400" b="1" smtClean="0">
+              <a:rPr lang="da-DK" sz="2000" b="1" smtClean="0">
                 <a:latin typeface="Consolas" panose="020B0609020204030204" pitchFamily="49" charset="0"/>
               </a:rPr>
               <a:t>        {</a:t>
             </a:r>
-            <a:endParaRPr lang="da-DK" sz="2400" b="1">
+            <a:endParaRPr lang="da-DK" sz="2000" b="1">
               <a:latin typeface="Consolas" panose="020B0609020204030204" pitchFamily="49" charset="0"/>
             </a:endParaRPr>
           </a:p>
@@ -17430,12 +17296,12 @@
               <a:buNone/>
             </a:pPr>
             <a:r>
-              <a:rPr lang="da-DK" sz="2400" b="1" smtClean="0">
+              <a:rPr lang="da-DK" sz="2000" b="1" smtClean="0">
                 <a:latin typeface="Consolas" panose="020B0609020204030204" pitchFamily="49" charset="0"/>
               </a:rPr>
               <a:t>            filteredValues.Add(v);</a:t>
             </a:r>
-            <a:endParaRPr lang="da-DK" sz="2400" b="1">
+            <a:endParaRPr lang="da-DK" sz="2000" b="1">
               <a:latin typeface="Consolas" panose="020B0609020204030204" pitchFamily="49" charset="0"/>
             </a:endParaRPr>
           </a:p>
@@ -17447,12 +17313,12 @@
               <a:buNone/>
             </a:pPr>
             <a:r>
-              <a:rPr lang="da-DK" sz="2400" b="1" smtClean="0">
+              <a:rPr lang="da-DK" sz="2000" b="1" smtClean="0">
                 <a:latin typeface="Consolas" panose="020B0609020204030204" pitchFamily="49" charset="0"/>
               </a:rPr>
               <a:t>        }</a:t>
             </a:r>
-            <a:endParaRPr lang="da-DK" sz="2400" b="1">
+            <a:endParaRPr lang="da-DK" sz="2000" b="1">
               <a:latin typeface="Consolas" panose="020B0609020204030204" pitchFamily="49" charset="0"/>
             </a:endParaRPr>
           </a:p>
@@ -17464,12 +17330,12 @@
               <a:buNone/>
             </a:pPr>
             <a:r>
-              <a:rPr lang="da-DK" sz="2400" b="1" smtClean="0">
+              <a:rPr lang="da-DK" sz="2000" b="1" smtClean="0">
                 <a:latin typeface="Consolas" panose="020B0609020204030204" pitchFamily="49" charset="0"/>
               </a:rPr>
               <a:t>    }</a:t>
             </a:r>
-            <a:endParaRPr lang="da-DK" sz="2400" b="1">
+            <a:endParaRPr lang="da-DK" sz="2000" b="1">
               <a:latin typeface="Consolas" panose="020B0609020204030204" pitchFamily="49" charset="0"/>
             </a:endParaRPr>
           </a:p>
@@ -17480,7 +17346,7 @@
               </a:spcBef>
               <a:buNone/>
             </a:pPr>
-            <a:endParaRPr lang="da-DK" sz="2400" b="1">
+            <a:endParaRPr lang="da-DK" sz="2000" b="1">
               <a:latin typeface="Consolas" panose="020B0609020204030204" pitchFamily="49" charset="0"/>
             </a:endParaRPr>
           </a:p>
@@ -17492,13 +17358,13 @@
               <a:buNone/>
             </a:pPr>
             <a:r>
-              <a:rPr lang="da-DK" sz="2400" b="1" smtClean="0">
+              <a:rPr lang="da-DK" sz="2000" b="1" smtClean="0">
                 <a:latin typeface="Consolas" panose="020B0609020204030204" pitchFamily="49" charset="0"/>
               </a:rPr>
               <a:t>    </a:t>
             </a:r>
             <a:r>
-              <a:rPr lang="da-DK" sz="2400" b="1">
+              <a:rPr lang="da-DK" sz="2000" b="1">
                 <a:solidFill>
                   <a:srgbClr val="0070C0"/>
                 </a:solidFill>
@@ -17507,13 +17373,13 @@
               <a:t>return</a:t>
             </a:r>
             <a:r>
-              <a:rPr lang="da-DK" sz="2400" b="1" smtClean="0">
+              <a:rPr lang="da-DK" sz="2000" b="1" smtClean="0">
                 <a:latin typeface="Consolas" panose="020B0609020204030204" pitchFamily="49" charset="0"/>
               </a:rPr>
               <a:t> </a:t>
             </a:r>
             <a:r>
-              <a:rPr lang="da-DK" sz="2400" b="1">
+              <a:rPr lang="da-DK" sz="2000" b="1">
                 <a:latin typeface="Consolas" panose="020B0609020204030204" pitchFamily="49" charset="0"/>
               </a:rPr>
               <a:t>filteredValues;</a:t>
@@ -17527,12 +17393,12 @@
               <a:buNone/>
             </a:pPr>
             <a:r>
-              <a:rPr lang="da-DK" sz="2400" b="1" smtClean="0">
+              <a:rPr lang="da-DK" sz="2000" b="1" smtClean="0">
                 <a:latin typeface="Consolas" panose="020B0609020204030204" pitchFamily="49" charset="0"/>
               </a:rPr>
               <a:t>}</a:t>
             </a:r>
-            <a:endParaRPr lang="da-DK" sz="2400" b="1">
+            <a:endParaRPr lang="da-DK" sz="2000" b="1">
               <a:latin typeface="Consolas" panose="020B0609020204030204" pitchFamily="49" charset="0"/>
             </a:endParaRPr>
           </a:p>
@@ -17587,23 +17453,7 @@
                   <a:schemeClr val="tx1"/>
                 </a:solidFill>
               </a:rPr>
-              <a:t>C</a:t>
-            </a:r>
-            <a:r>
-              <a:rPr lang="da-DK" sz="2400" smtClean="0">
-                <a:solidFill>
-                  <a:schemeClr val="tx1"/>
-                </a:solidFill>
-              </a:rPr>
-              <a:t>riterion </a:t>
-            </a:r>
-            <a:r>
-              <a:rPr lang="da-DK" sz="2400" smtClean="0">
-                <a:solidFill>
-                  <a:schemeClr val="tx1"/>
-                </a:solidFill>
-              </a:rPr>
-              <a:t>supplied by </a:t>
+              <a:t>Criterion supplied by </a:t>
             </a:r>
             <a:r>
               <a:rPr lang="da-DK" sz="2400" u="sng" smtClean="0">
@@ -17631,11 +17481,11 @@
   <p:clrMapOvr>
     <a:masterClrMapping/>
   </p:clrMapOvr>
-  <mc:AlternateContent xmlns:mc="http://schemas.openxmlformats.org/markup-compatibility/2006">
-    <mc:Choice xmlns:p14="http://schemas.microsoft.com/office/powerpoint/2010/main" Requires="p14">
+  <mc:AlternateContent xmlns:mc="http://schemas.openxmlformats.org/markup-compatibility/2006" xmlns:p14="http://schemas.microsoft.com/office/powerpoint/2010/main">
+    <mc:Choice Requires="p14">
       <p:transition p14:dur="0"/>
     </mc:Choice>
-    <mc:Fallback>
+    <mc:Fallback xmlns="">
       <p:transition/>
     </mc:Fallback>
   </mc:AlternateContent>
@@ -17964,11 +17814,11 @@
   <p:clrMapOvr>
     <a:masterClrMapping/>
   </p:clrMapOvr>
-  <mc:AlternateContent xmlns:mc="http://schemas.openxmlformats.org/markup-compatibility/2006">
-    <mc:Choice xmlns:p14="http://schemas.microsoft.com/office/powerpoint/2010/main" Requires="p14">
+  <mc:AlternateContent xmlns:mc="http://schemas.openxmlformats.org/markup-compatibility/2006" xmlns:p14="http://schemas.microsoft.com/office/powerpoint/2010/main">
+    <mc:Choice Requires="p14">
       <p:transition p14:dur="0"/>
     </mc:Choice>
-    <mc:Fallback>
+    <mc:Fallback xmlns="">
       <p:transition/>
     </mc:Fallback>
   </mc:AlternateContent>
@@ -18192,11 +18042,11 @@
   <p:clrMapOvr>
     <a:masterClrMapping/>
   </p:clrMapOvr>
-  <mc:AlternateContent xmlns:mc="http://schemas.openxmlformats.org/markup-compatibility/2006">
-    <mc:Choice xmlns:p14="http://schemas.microsoft.com/office/powerpoint/2010/main" Requires="p14">
+  <mc:AlternateContent xmlns:mc="http://schemas.openxmlformats.org/markup-compatibility/2006" xmlns:p14="http://schemas.microsoft.com/office/powerpoint/2010/main">
+    <mc:Choice Requires="p14">
       <p:transition p14:dur="0"/>
     </mc:Choice>
-    <mc:Fallback>
+    <mc:Fallback xmlns="">
       <p:transition/>
     </mc:Fallback>
   </mc:AlternateContent>
